--- a/Final_Glycaemic_Project_Presentation.pptx
+++ b/Final_Glycaemic_Project_Presentation.pptx
@@ -7545,7 +7545,7 @@
             </a:lnSpc>
           </a:pPr>
           <a:r>
-            <a:rPr lang="en-US"/>
+            <a:rPr lang="en-US" dirty="0"/>
             <a:t>Creating engineered predictors</a:t>
           </a:r>
         </a:p>
@@ -7787,7 +7787,7 @@
       <dgm:spPr/>
     </dgm:pt>
     <dgm:pt modelId="{868A0D6A-6617-4F44-8963-D13E10F11AD6}" type="pres">
-      <dgm:prSet presAssocID="{2A78BF85-511E-4820-8F6D-9F3A79268AAE}" presName="bgRect" presStyleLbl="bgShp" presStyleIdx="4" presStyleCnt="5"/>
+      <dgm:prSet presAssocID="{2A78BF85-511E-4820-8F6D-9F3A79268AAE}" presName="bgRect" presStyleLbl="bgShp" presStyleIdx="4" presStyleCnt="5" custLinFactNeighborX="-24311" custLinFactNeighborY="2075"/>
       <dgm:spPr/>
     </dgm:pt>
     <dgm:pt modelId="{C0F7AD4C-1C6F-4C0D-A72C-2F132091B343}" type="pres">
@@ -10738,7 +10738,7 @@
       </dsp:nvSpPr>
       <dsp:spPr>
         <a:xfrm>
-          <a:off x="0" y="3769278"/>
+          <a:off x="0" y="3772814"/>
           <a:ext cx="8229600" cy="753148"/>
         </a:xfrm>
         <a:prstGeom prst="roundRect">
@@ -10879,7 +10879,7 @@
             <a:buNone/>
           </a:pPr>
           <a:r>
-            <a:rPr lang="en-US" sz="1900" kern="1200"/>
+            <a:rPr lang="en-US" sz="1900" kern="1200" dirty="0"/>
             <a:t>Creating engineered predictors</a:t>
           </a:r>
         </a:p>
@@ -25756,6 +25756,13 @@
           </p:nvPr>
         </p:nvSpPr>
         <p:spPr/>
+        <p:txBody>
+          <a:bodyPr/>
+          <a:lstStyle/>
+          <a:p>
+            <a:endParaRPr lang="en-US"/>
+          </a:p>
+        </p:txBody>
       </p:sp>
       <p:sp>
         <p:nvSpPr>
@@ -29432,6 +29439,28 @@
               </a:rPr>
               <a:t>https://github.com/ansmalik67/multimodal-glucose-forecasting.git</a:t>
             </a:r>
+            <a:endParaRPr lang="en-GB" sz="1900" dirty="0"/>
+          </a:p>
+          <a:p>
+            <a:pPr marL="0" indent="0">
+              <a:buNone/>
+            </a:pPr>
+            <a:r>
+              <a:rPr lang="en-GB" sz="1900" dirty="0"/>
+              <a:t>Dataset: </a:t>
+            </a:r>
+            <a:r>
+              <a:rPr lang="en-GB" sz="1900" dirty="0">
+                <a:hlinkClick r:id="rId3"/>
+              </a:rPr>
+              <a:t>https://public.jaeb.org/dataset/537</a:t>
+            </a:r>
+            <a:endParaRPr lang="en-GB" sz="1900" dirty="0"/>
+          </a:p>
+          <a:p>
+            <a:pPr marL="0" indent="0">
+              <a:buNone/>
+            </a:pPr>
             <a:endParaRPr lang="en-GB" sz="1900" dirty="0"/>
           </a:p>
           <a:p>
@@ -34670,13 +34699,13 @@
         </p:nvSpPr>
         <p:spPr>
           <a:xfrm>
-            <a:off x="628650" y="1929384"/>
-            <a:ext cx="7886700" cy="4251960"/>
+            <a:off x="413468" y="1929383"/>
+            <a:ext cx="8547652" cy="4757664"/>
           </a:xfrm>
         </p:spPr>
         <p:txBody>
           <a:bodyPr>
-            <a:normAutofit/>
+            <a:normAutofit lnSpcReduction="10000"/>
           </a:bodyPr>
           <a:lstStyle/>
           <a:p>
@@ -34695,16 +34724,28 @@
               </a:defRPr>
             </a:pPr>
             <a:r>
-              <a:rPr lang="en-GB" sz="1900" b="1">
+              <a:rPr lang="en-GB" sz="1900" b="1" dirty="0">
                 <a:latin typeface="+mj-lt"/>
               </a:rPr>
               <a:t>Records</a:t>
             </a:r>
             <a:r>
-              <a:rPr lang="en-GB" sz="1900">
+              <a:rPr lang="en-GB" sz="1900" dirty="0">
                 <a:latin typeface="+mj-lt"/>
               </a:rPr>
-              <a:t>: ~647858 rows of patient time-series data</a:t>
+              <a:t>: ~647858 rows of patient time-series data and it is </a:t>
+            </a:r>
+            <a:r>
+              <a:rPr lang="en-GB" sz="1900" b="1" dirty="0">
+                <a:latin typeface="+mj-lt"/>
+              </a:rPr>
+              <a:t>publicly</a:t>
+            </a:r>
+            <a:r>
+              <a:rPr lang="en-GB" sz="1900" dirty="0">
+                <a:latin typeface="+mj-lt"/>
+              </a:rPr>
+              <a:t> available by GlucoBench</a:t>
             </a:r>
           </a:p>
           <a:p>
@@ -34723,13 +34764,13 @@
               </a:defRPr>
             </a:pPr>
             <a:r>
-              <a:rPr lang="en-GB" sz="1900" b="1">
+              <a:rPr lang="en-GB" sz="1900" b="1" dirty="0">
                 <a:latin typeface="+mj-lt"/>
               </a:rPr>
               <a:t>Features</a:t>
             </a:r>
             <a:r>
-              <a:rPr lang="en-GB" sz="1900">
+              <a:rPr lang="en-GB" sz="1900" dirty="0">
                 <a:latin typeface="+mj-lt"/>
               </a:rPr>
               <a:t>: 40+ columns including:</a:t>
@@ -34749,13 +34790,13 @@
               </a:defRPr>
             </a:pPr>
             <a:r>
-              <a:rPr lang="en-GB" sz="1900" b="1">
+              <a:rPr lang="en-GB" sz="1900" b="1" dirty="0">
                 <a:latin typeface="+mj-lt"/>
               </a:rPr>
               <a:t>Biometrics</a:t>
             </a:r>
             <a:r>
-              <a:rPr lang="en-GB" sz="1900">
+              <a:rPr lang="en-GB" sz="1900" dirty="0">
                 <a:latin typeface="+mj-lt"/>
               </a:rPr>
               <a:t>: Glucose (GL), Time, Weight, Height</a:t>
@@ -34775,13 +34816,13 @@
               </a:defRPr>
             </a:pPr>
             <a:r>
-              <a:rPr lang="en-GB" sz="1900" b="1">
+              <a:rPr lang="en-GB" sz="1900" b="1" dirty="0">
                 <a:latin typeface="+mj-lt"/>
               </a:rPr>
               <a:t>Clinical Data</a:t>
             </a:r>
             <a:r>
-              <a:rPr lang="en-GB" sz="1900">
+              <a:rPr lang="en-GB" sz="1900" dirty="0">
                 <a:latin typeface="+mj-lt"/>
               </a:rPr>
               <a:t>: Insulin dosage, Kidney Disease</a:t>
@@ -34801,13 +34842,13 @@
               </a:defRPr>
             </a:pPr>
             <a:r>
-              <a:rPr lang="en-GB" sz="1900" b="1">
+              <a:rPr lang="en-GB" sz="1900" b="1" dirty="0">
                 <a:latin typeface="+mj-lt"/>
               </a:rPr>
               <a:t>Lifestyle</a:t>
             </a:r>
             <a:r>
-              <a:rPr lang="en-GB" sz="1900">
+              <a:rPr lang="en-GB" sz="1900" dirty="0">
                 <a:latin typeface="+mj-lt"/>
               </a:rPr>
               <a:t>: Alcohol, Exercise, Diet</a:t>
@@ -34827,13 +34868,13 @@
               </a:defRPr>
             </a:pPr>
             <a:r>
-              <a:rPr lang="en-GB" sz="1900" b="1">
+              <a:rPr lang="en-GB" sz="1900" b="1" dirty="0">
                 <a:latin typeface="+mj-lt"/>
               </a:rPr>
               <a:t>Demographics</a:t>
             </a:r>
             <a:r>
-              <a:rPr lang="en-GB" sz="1900">
+              <a:rPr lang="en-GB" sz="1900" dirty="0">
                 <a:latin typeface="+mj-lt"/>
               </a:rPr>
               <a:t>: Age, Gender, Race</a:t>
@@ -34855,13 +34896,13 @@
               </a:defRPr>
             </a:pPr>
             <a:r>
-              <a:rPr lang="en-GB" sz="1900" b="1">
+              <a:rPr lang="en-GB" sz="1900" b="1" dirty="0">
                 <a:latin typeface="+mj-lt"/>
               </a:rPr>
               <a:t>Temporal Feature</a:t>
             </a:r>
             <a:r>
-              <a:rPr lang="en-GB" sz="1900">
+              <a:rPr lang="en-GB" sz="1900" dirty="0">
                 <a:latin typeface="+mj-lt"/>
               </a:rPr>
               <a:t>: Timestamped every 5–15 minutes</a:t>
@@ -34883,17 +34924,49 @@
               </a:defRPr>
             </a:pPr>
             <a:r>
-              <a:rPr lang="en-GB" sz="1900" b="1">
+              <a:rPr lang="en-GB" sz="1900" b="1" dirty="0">
                 <a:latin typeface="+mj-lt"/>
               </a:rPr>
               <a:t>Challenges</a:t>
             </a:r>
             <a:r>
-              <a:rPr lang="en-GB" sz="1900">
+              <a:rPr lang="en-GB" sz="1900" dirty="0">
                 <a:latin typeface="+mj-lt"/>
               </a:rPr>
               <a:t>: Extremely High Frequency data, Categorical Clinical Variables, missing values and many more.</a:t>
             </a:r>
+          </a:p>
+          <a:p>
+            <a:pPr marL="0" indent="0">
+              <a:spcBef>
+                <a:spcPts val="1200"/>
+              </a:spcBef>
+              <a:buSzTx/>
+              <a:buFontTx/>
+              <a:buNone/>
+              <a:defRPr sz="2400">
+                <a:latin typeface="Times Roman"/>
+                <a:ea typeface="Times Roman"/>
+                <a:cs typeface="Times Roman"/>
+                <a:sym typeface="Times Roman"/>
+              </a:defRPr>
+            </a:pPr>
+            <a:r>
+              <a:rPr lang="en-GB" sz="1900" b="1" dirty="0">
+                <a:latin typeface="+mj-lt"/>
+              </a:rPr>
+              <a:t>Ethical Consideration: </a:t>
+            </a:r>
+            <a:r>
+              <a:rPr lang="en-GB" sz="1900" dirty="0">
+                <a:latin typeface="+mj-lt"/>
+                <a:sym typeface="Times Roman"/>
+              </a:rPr>
+              <a:t>Protecting patient privacy, preventing re-identification, Avoiding demographic and Ensuring secure handling.</a:t>
+            </a:r>
+            <a:endParaRPr lang="en-GB" sz="1900" dirty="0">
+              <a:latin typeface="+mj-lt"/>
+            </a:endParaRPr>
           </a:p>
         </p:txBody>
       </p:sp>
@@ -34960,6 +35033,11 @@
           </p:cNvGraphicFramePr>
           <p:nvPr>
             <p:ph idx="1"/>
+            <p:extLst>
+              <p:ext uri="{D42A27DB-BD31-4B8C-83A1-F6EECF244321}">
+                <p14:modId xmlns:p14="http://schemas.microsoft.com/office/powerpoint/2010/main" val="2993652910"/>
+              </p:ext>
+            </p:extLst>
           </p:nvPr>
         </p:nvGraphicFramePr>
         <p:xfrm>
